--- a/Database Administrator/Module1-Artificial Intelligence & Big Data Analytics – An Introduction/1.2-I and Big Data in Industry UseCases Unveiled(1th-3p)/AI and Big Data in Industry.pptx
+++ b/Database Administrator/Module1-Artificial Intelligence & Big Data Analytics – An Introduction/1.2-I and Big Data in Industry UseCases Unveiled(1th-3p)/AI and Big Data in Industry.pptx
@@ -5,7 +5,7 @@
     <p:sldMasterId id="2147483648" r:id="rId1"/>
   </p:sldMasterIdLst>
   <p:notesMasterIdLst>
-    <p:notesMasterId r:id="rId8"/>
+    <p:notesMasterId r:id="rId11"/>
   </p:notesMasterIdLst>
   <p:sldIdLst>
     <p:sldId id="257" r:id="rId2"/>
@@ -13,7 +13,10 @@
     <p:sldId id="259" r:id="rId4"/>
     <p:sldId id="260" r:id="rId5"/>
     <p:sldId id="262" r:id="rId6"/>
-    <p:sldId id="261" r:id="rId7"/>
+    <p:sldId id="263" r:id="rId7"/>
+    <p:sldId id="264" r:id="rId8"/>
+    <p:sldId id="265" r:id="rId9"/>
+    <p:sldId id="261" r:id="rId10"/>
   </p:sldIdLst>
   <p:sldSz cx="12192000" cy="6858000"/>
   <p:notesSz cx="6858000" cy="9144000"/>
@@ -122,6 +125,145 @@
 
 <file path=ppt/changesInfos/changesInfo1.xml><?xml version="1.0" encoding="utf-8"?>
 <pc:chgInfo xmlns:a="http://schemas.openxmlformats.org/drawingml/2006/main" xmlns:r="http://schemas.openxmlformats.org/officeDocument/2006/relationships" xmlns:ac="http://schemas.microsoft.com/office/drawing/2013/main/command" xmlns:pc="http://schemas.microsoft.com/office/powerpoint/2013/main/command">
+  <pc:docChgLst>
+    <pc:chgData name="Krishna Kant Dubey" userId="cd28fa1e1902c48d" providerId="LiveId" clId="{CC5692DB-9ACD-489A-B44B-E98E68D05BC2}"/>
+    <pc:docChg chg="custSel addSld modSld">
+      <pc:chgData name="Krishna Kant Dubey" userId="cd28fa1e1902c48d" providerId="LiveId" clId="{CC5692DB-9ACD-489A-B44B-E98E68D05BC2}" dt="2025-08-11T07:17:49.079" v="146" actId="207"/>
+      <pc:docMkLst>
+        <pc:docMk/>
+      </pc:docMkLst>
+      <pc:sldChg chg="addSp modSp">
+        <pc:chgData name="Krishna Kant Dubey" userId="cd28fa1e1902c48d" providerId="LiveId" clId="{CC5692DB-9ACD-489A-B44B-E98E68D05BC2}" dt="2025-08-11T06:06:14.929" v="0"/>
+        <pc:sldMkLst>
+          <pc:docMk/>
+          <pc:sldMk cId="2381247086" sldId="257"/>
+        </pc:sldMkLst>
+        <pc:picChg chg="add mod">
+          <ac:chgData name="Krishna Kant Dubey" userId="cd28fa1e1902c48d" providerId="LiveId" clId="{CC5692DB-9ACD-489A-B44B-E98E68D05BC2}" dt="2025-08-11T06:06:14.929" v="0"/>
+          <ac:picMkLst>
+            <pc:docMk/>
+            <pc:sldMk cId="2381247086" sldId="257"/>
+            <ac:picMk id="3" creationId="{DD2180EC-1DE3-82FE-A228-DB6E8A8CD132}"/>
+          </ac:picMkLst>
+        </pc:picChg>
+      </pc:sldChg>
+      <pc:sldChg chg="addSp delSp modSp mod">
+        <pc:chgData name="Krishna Kant Dubey" userId="cd28fa1e1902c48d" providerId="LiveId" clId="{CC5692DB-9ACD-489A-B44B-E98E68D05BC2}" dt="2025-08-11T07:06:51.142" v="73"/>
+        <pc:sldMkLst>
+          <pc:docMk/>
+          <pc:sldMk cId="131540703" sldId="260"/>
+        </pc:sldMkLst>
+        <pc:spChg chg="del">
+          <ac:chgData name="Krishna Kant Dubey" userId="cd28fa1e1902c48d" providerId="LiveId" clId="{CC5692DB-9ACD-489A-B44B-E98E68D05BC2}" dt="2025-08-11T07:03:09.525" v="1" actId="3680"/>
+          <ac:spMkLst>
+            <pc:docMk/>
+            <pc:sldMk cId="131540703" sldId="260"/>
+            <ac:spMk id="4" creationId="{578CAB42-7D2A-6EDC-C435-EECC86B0DFC6}"/>
+          </ac:spMkLst>
+        </pc:spChg>
+        <pc:graphicFrameChg chg="add mod ord modGraphic">
+          <ac:chgData name="Krishna Kant Dubey" userId="cd28fa1e1902c48d" providerId="LiveId" clId="{CC5692DB-9ACD-489A-B44B-E98E68D05BC2}" dt="2025-08-11T07:06:51.142" v="73"/>
+          <ac:graphicFrameMkLst>
+            <pc:docMk/>
+            <pc:sldMk cId="131540703" sldId="260"/>
+            <ac:graphicFrameMk id="2" creationId="{DE032D8D-AECB-6424-292F-92FA18CFAB91}"/>
+          </ac:graphicFrameMkLst>
+        </pc:graphicFrameChg>
+      </pc:sldChg>
+      <pc:sldChg chg="addSp delSp modSp mod">
+        <pc:chgData name="Krishna Kant Dubey" userId="cd28fa1e1902c48d" providerId="LiveId" clId="{CC5692DB-9ACD-489A-B44B-E98E68D05BC2}" dt="2025-08-11T07:17:49.079" v="146" actId="207"/>
+        <pc:sldMkLst>
+          <pc:docMk/>
+          <pc:sldMk cId="1248854694" sldId="262"/>
+        </pc:sldMkLst>
+        <pc:spChg chg="add">
+          <ac:chgData name="Krishna Kant Dubey" userId="cd28fa1e1902c48d" providerId="LiveId" clId="{CC5692DB-9ACD-489A-B44B-E98E68D05BC2}" dt="2025-08-11T07:07:39.172" v="74"/>
+          <ac:spMkLst>
+            <pc:docMk/>
+            <pc:sldMk cId="1248854694" sldId="262"/>
+            <ac:spMk id="3" creationId="{E4D1A06A-0E86-62E1-FC9C-9D005F4146A8}"/>
+          </ac:spMkLst>
+        </pc:spChg>
+        <pc:spChg chg="add del mod">
+          <ac:chgData name="Krishna Kant Dubey" userId="cd28fa1e1902c48d" providerId="LiveId" clId="{CC5692DB-9ACD-489A-B44B-E98E68D05BC2}" dt="2025-08-11T07:17:49.079" v="146" actId="207"/>
+          <ac:spMkLst>
+            <pc:docMk/>
+            <pc:sldMk cId="1248854694" sldId="262"/>
+            <ac:spMk id="4" creationId="{2DC93587-953D-FBE6-A4B6-5060E75B821F}"/>
+          </ac:spMkLst>
+        </pc:spChg>
+        <pc:graphicFrameChg chg="add mod">
+          <ac:chgData name="Krishna Kant Dubey" userId="cd28fa1e1902c48d" providerId="LiveId" clId="{CC5692DB-9ACD-489A-B44B-E98E68D05BC2}" dt="2025-08-11T07:07:40.490" v="75"/>
+          <ac:graphicFrameMkLst>
+            <pc:docMk/>
+            <pc:sldMk cId="1248854694" sldId="262"/>
+            <ac:graphicFrameMk id="2" creationId="{9B43F733-E295-5BDD-6835-92842CA00EFA}"/>
+          </ac:graphicFrameMkLst>
+        </pc:graphicFrameChg>
+      </pc:sldChg>
+      <pc:sldChg chg="addSp modSp add mod">
+        <pc:chgData name="Krishna Kant Dubey" userId="cd28fa1e1902c48d" providerId="LiveId" clId="{CC5692DB-9ACD-489A-B44B-E98E68D05BC2}" dt="2025-08-11T07:10:09.516" v="111" actId="207"/>
+        <pc:sldMkLst>
+          <pc:docMk/>
+          <pc:sldMk cId="129791844" sldId="263"/>
+        </pc:sldMkLst>
+        <pc:spChg chg="add mod">
+          <ac:chgData name="Krishna Kant Dubey" userId="cd28fa1e1902c48d" providerId="LiveId" clId="{CC5692DB-9ACD-489A-B44B-E98E68D05BC2}" dt="2025-08-11T07:09:06.323" v="97"/>
+          <ac:spMkLst>
+            <pc:docMk/>
+            <pc:sldMk cId="129791844" sldId="263"/>
+            <ac:spMk id="3" creationId="{5B53C5C5-9CFD-1D63-D02E-C8D9E5A57E24}"/>
+          </ac:spMkLst>
+        </pc:spChg>
+        <pc:spChg chg="mod">
+          <ac:chgData name="Krishna Kant Dubey" userId="cd28fa1e1902c48d" providerId="LiveId" clId="{CC5692DB-9ACD-489A-B44B-E98E68D05BC2}" dt="2025-08-11T07:10:09.516" v="111" actId="207"/>
+          <ac:spMkLst>
+            <pc:docMk/>
+            <pc:sldMk cId="129791844" sldId="263"/>
+            <ac:spMk id="4" creationId="{287ED5F5-9264-14B8-07C6-4B000FE6EAB9}"/>
+          </ac:spMkLst>
+        </pc:spChg>
+        <pc:graphicFrameChg chg="add mod">
+          <ac:chgData name="Krishna Kant Dubey" userId="cd28fa1e1902c48d" providerId="LiveId" clId="{CC5692DB-9ACD-489A-B44B-E98E68D05BC2}" dt="2025-08-11T07:09:05.161" v="96"/>
+          <ac:graphicFrameMkLst>
+            <pc:docMk/>
+            <pc:sldMk cId="129791844" sldId="263"/>
+            <ac:graphicFrameMk id="2" creationId="{05783928-5F12-4093-B3F3-F8BF22446C6F}"/>
+          </ac:graphicFrameMkLst>
+        </pc:graphicFrameChg>
+      </pc:sldChg>
+      <pc:sldChg chg="modSp add mod">
+        <pc:chgData name="Krishna Kant Dubey" userId="cd28fa1e1902c48d" providerId="LiveId" clId="{CC5692DB-9ACD-489A-B44B-E98E68D05BC2}" dt="2025-08-11T07:11:29.588" v="125" actId="207"/>
+        <pc:sldMkLst>
+          <pc:docMk/>
+          <pc:sldMk cId="951953772" sldId="264"/>
+        </pc:sldMkLst>
+        <pc:spChg chg="mod">
+          <ac:chgData name="Krishna Kant Dubey" userId="cd28fa1e1902c48d" providerId="LiveId" clId="{CC5692DB-9ACD-489A-B44B-E98E68D05BC2}" dt="2025-08-11T07:11:29.588" v="125" actId="207"/>
+          <ac:spMkLst>
+            <pc:docMk/>
+            <pc:sldMk cId="951953772" sldId="264"/>
+            <ac:spMk id="4" creationId="{A32EC9CA-F37A-2BEB-0478-F9BA6AEC2B25}"/>
+          </ac:spMkLst>
+        </pc:spChg>
+      </pc:sldChg>
+      <pc:sldChg chg="modSp add mod">
+        <pc:chgData name="Krishna Kant Dubey" userId="cd28fa1e1902c48d" providerId="LiveId" clId="{CC5692DB-9ACD-489A-B44B-E98E68D05BC2}" dt="2025-08-11T07:17:15" v="140" actId="207"/>
+        <pc:sldMkLst>
+          <pc:docMk/>
+          <pc:sldMk cId="1822170196" sldId="265"/>
+        </pc:sldMkLst>
+        <pc:spChg chg="mod">
+          <ac:chgData name="Krishna Kant Dubey" userId="cd28fa1e1902c48d" providerId="LiveId" clId="{CC5692DB-9ACD-489A-B44B-E98E68D05BC2}" dt="2025-08-11T07:17:15" v="140" actId="207"/>
+          <ac:spMkLst>
+            <pc:docMk/>
+            <pc:sldMk cId="1822170196" sldId="265"/>
+            <ac:spMk id="4" creationId="{7B0589C4-8A39-4EFE-168E-01BC2A902CFC}"/>
+          </ac:spMkLst>
+        </pc:spChg>
+      </pc:sldChg>
+    </pc:docChg>
+  </pc:docChgLst>
   <pc:docChgLst>
     <pc:chgData name="Krishna Kant Dubey" userId="cd28fa1e1902c48d" providerId="LiveId" clId="{FB29EEBE-A4D9-4007-8D30-EE33EDB88D82}"/>
     <pc:docChg chg="modSld">
@@ -367,7 +509,7 @@
           <a:p>
             <a:fld id="{771BC1E5-8BD3-45A8-A8D4-BE6B8D3F526F}" type="datetimeFigureOut">
               <a:rPr lang="en-IN" smtClean="0"/>
-              <a:t>30-07-2025</a:t>
+              <a:t>11-08-2025</a:t>
             </a:fld>
             <a:endParaRPr lang="en-IN"/>
           </a:p>
@@ -784,7 +926,7 @@
           <a:p>
             <a:fld id="{8B8265E5-5E35-4F50-869B-ACC7CF337DF9}" type="datetimeFigureOut">
               <a:rPr lang="en-IN" smtClean="0"/>
-              <a:t>30-07-2025</a:t>
+              <a:t>11-08-2025</a:t>
             </a:fld>
             <a:endParaRPr lang="en-IN"/>
           </a:p>
@@ -984,7 +1126,7 @@
           <a:p>
             <a:fld id="{8B8265E5-5E35-4F50-869B-ACC7CF337DF9}" type="datetimeFigureOut">
               <a:rPr lang="en-IN" smtClean="0"/>
-              <a:t>30-07-2025</a:t>
+              <a:t>11-08-2025</a:t>
             </a:fld>
             <a:endParaRPr lang="en-IN"/>
           </a:p>
@@ -1194,7 +1336,7 @@
           <a:p>
             <a:fld id="{8B8265E5-5E35-4F50-869B-ACC7CF337DF9}" type="datetimeFigureOut">
               <a:rPr lang="en-IN" smtClean="0"/>
-              <a:t>30-07-2025</a:t>
+              <a:t>11-08-2025</a:t>
             </a:fld>
             <a:endParaRPr lang="en-IN"/>
           </a:p>
@@ -1394,7 +1536,7 @@
           <a:p>
             <a:fld id="{8B8265E5-5E35-4F50-869B-ACC7CF337DF9}" type="datetimeFigureOut">
               <a:rPr lang="en-IN" smtClean="0"/>
-              <a:t>30-07-2025</a:t>
+              <a:t>11-08-2025</a:t>
             </a:fld>
             <a:endParaRPr lang="en-IN"/>
           </a:p>
@@ -1670,7 +1812,7 @@
           <a:p>
             <a:fld id="{8B8265E5-5E35-4F50-869B-ACC7CF337DF9}" type="datetimeFigureOut">
               <a:rPr lang="en-IN" smtClean="0"/>
-              <a:t>30-07-2025</a:t>
+              <a:t>11-08-2025</a:t>
             </a:fld>
             <a:endParaRPr lang="en-IN"/>
           </a:p>
@@ -1938,7 +2080,7 @@
           <a:p>
             <a:fld id="{8B8265E5-5E35-4F50-869B-ACC7CF337DF9}" type="datetimeFigureOut">
               <a:rPr lang="en-IN" smtClean="0"/>
-              <a:t>30-07-2025</a:t>
+              <a:t>11-08-2025</a:t>
             </a:fld>
             <a:endParaRPr lang="en-IN"/>
           </a:p>
@@ -2353,7 +2495,7 @@
           <a:p>
             <a:fld id="{8B8265E5-5E35-4F50-869B-ACC7CF337DF9}" type="datetimeFigureOut">
               <a:rPr lang="en-IN" smtClean="0"/>
-              <a:t>30-07-2025</a:t>
+              <a:t>11-08-2025</a:t>
             </a:fld>
             <a:endParaRPr lang="en-IN"/>
           </a:p>
@@ -2495,7 +2637,7 @@
           <a:p>
             <a:fld id="{8B8265E5-5E35-4F50-869B-ACC7CF337DF9}" type="datetimeFigureOut">
               <a:rPr lang="en-IN" smtClean="0"/>
-              <a:t>30-07-2025</a:t>
+              <a:t>11-08-2025</a:t>
             </a:fld>
             <a:endParaRPr lang="en-IN"/>
           </a:p>
@@ -2608,7 +2750,7 @@
           <a:p>
             <a:fld id="{8B8265E5-5E35-4F50-869B-ACC7CF337DF9}" type="datetimeFigureOut">
               <a:rPr lang="en-IN" smtClean="0"/>
-              <a:t>30-07-2025</a:t>
+              <a:t>11-08-2025</a:t>
             </a:fld>
             <a:endParaRPr lang="en-IN"/>
           </a:p>
@@ -2921,7 +3063,7 @@
           <a:p>
             <a:fld id="{8B8265E5-5E35-4F50-869B-ACC7CF337DF9}" type="datetimeFigureOut">
               <a:rPr lang="en-IN" smtClean="0"/>
-              <a:t>30-07-2025</a:t>
+              <a:t>11-08-2025</a:t>
             </a:fld>
             <a:endParaRPr lang="en-IN"/>
           </a:p>
@@ -3210,7 +3352,7 @@
           <a:p>
             <a:fld id="{8B8265E5-5E35-4F50-869B-ACC7CF337DF9}" type="datetimeFigureOut">
               <a:rPr lang="en-IN" smtClean="0"/>
-              <a:t>30-07-2025</a:t>
+              <a:t>11-08-2025</a:t>
             </a:fld>
             <a:endParaRPr lang="en-IN"/>
           </a:p>
@@ -3453,7 +3595,7 @@
           <a:p>
             <a:fld id="{8B8265E5-5E35-4F50-869B-ACC7CF337DF9}" type="datetimeFigureOut">
               <a:rPr lang="en-IN" smtClean="0"/>
-              <a:t>30-07-2025</a:t>
+              <a:t>11-08-2025</a:t>
             </a:fld>
             <a:endParaRPr lang="en-IN"/>
           </a:p>
@@ -4002,6 +4144,41 @@
           </a:p>
         </p:txBody>
       </p:sp>
+      <p:pic>
+        <p:nvPicPr>
+          <p:cNvPr id="3" name="Content Placeholder 4">
+            <a:extLst>
+              <a:ext uri="{FF2B5EF4-FFF2-40B4-BE49-F238E27FC236}">
+                <a16:creationId xmlns:a16="http://schemas.microsoft.com/office/drawing/2014/main" id="{DD2180EC-1DE3-82FE-A228-DB6E8A8CD132}"/>
+              </a:ext>
+            </a:extLst>
+          </p:cNvPr>
+          <p:cNvPicPr>
+            <a:picLocks noChangeAspect="1"/>
+          </p:cNvPicPr>
+          <p:nvPr/>
+        </p:nvPicPr>
+        <p:blipFill>
+          <a:blip r:embed="rId4">
+            <a:extLst>
+              <a:ext uri="{28A0092B-C50C-407E-A947-70E740481C1C}">
+                <a14:useLocalDpi xmlns:a14="http://schemas.microsoft.com/office/drawing/2010/main" val="0"/>
+              </a:ext>
+            </a:extLst>
+          </a:blip>
+          <a:srcRect/>
+          <a:stretch/>
+        </p:blipFill>
+        <p:spPr>
+          <a:xfrm>
+            <a:off x="0" y="0"/>
+            <a:ext cx="12198095" cy="6858000"/>
+          </a:xfrm>
+          <a:prstGeom prst="rect">
+            <a:avLst/>
+          </a:prstGeom>
+        </p:spPr>
+      </p:pic>
     </p:spTree>
     <p:extLst>
       <p:ext uri="{BB962C8B-B14F-4D97-AF65-F5344CB8AC3E}">
@@ -4436,36 +4613,461 @@
           </a:p>
         </p:txBody>
       </p:sp>
-      <p:sp>
-        <p:nvSpPr>
-          <p:cNvPr id="4" name="Content Placeholder 3">
-            <a:extLst>
-              <a:ext uri="{FF2B5EF4-FFF2-40B4-BE49-F238E27FC236}">
-                <a16:creationId xmlns:a16="http://schemas.microsoft.com/office/drawing/2014/main" id="{578CAB42-7D2A-6EDC-C435-EECC86B0DFC6}"/>
-              </a:ext>
-            </a:extLst>
-          </p:cNvPr>
-          <p:cNvSpPr>
-            <a:spLocks noGrp="1"/>
-          </p:cNvSpPr>
+      <p:graphicFrame>
+        <p:nvGraphicFramePr>
+          <p:cNvPr id="2" name="Content Placeholder 1">
+            <a:extLst>
+              <a:ext uri="{FF2B5EF4-FFF2-40B4-BE49-F238E27FC236}">
+                <a16:creationId xmlns:a16="http://schemas.microsoft.com/office/drawing/2014/main" id="{DE032D8D-AECB-6424-292F-92FA18CFAB91}"/>
+              </a:ext>
+            </a:extLst>
+          </p:cNvPr>
+          <p:cNvGraphicFramePr>
+            <a:graphicFrameLocks noGrp="1"/>
+          </p:cNvGraphicFramePr>
           <p:nvPr>
             <p:ph idx="1"/>
-          </p:nvPr>
-        </p:nvSpPr>
-        <p:spPr>
-          <a:xfrm>
-            <a:off x="838200" y="2261937"/>
-            <a:ext cx="10515600" cy="3915026"/>
-          </a:xfrm>
-        </p:spPr>
-        <p:txBody>
-          <a:bodyPr/>
-          <a:lstStyle/>
-          <a:p>
-            <a:endParaRPr lang="en-IN" dirty="0"/>
-          </a:p>
-        </p:txBody>
-      </p:sp>
+            <p:extLst>
+              <p:ext uri="{D42A27DB-BD31-4B8C-83A1-F6EECF244321}">
+                <p14:modId xmlns:p14="http://schemas.microsoft.com/office/powerpoint/2010/main" val="3154967754"/>
+              </p:ext>
+            </p:extLst>
+          </p:nvPr>
+        </p:nvGraphicFramePr>
+        <p:xfrm>
+          <a:off x="838200" y="2290318"/>
+          <a:ext cx="10515600" cy="4079240"/>
+        </p:xfrm>
+        <a:graphic>
+          <a:graphicData uri="http://schemas.openxmlformats.org/drawingml/2006/table">
+            <a:tbl>
+              <a:tblPr firstRow="1" bandRow="1">
+                <a:tableStyleId>{793D81CF-94F2-401A-BA57-92F5A7B2D0C5}</a:tableStyleId>
+              </a:tblPr>
+              <a:tblGrid>
+                <a:gridCol w="2429656">
+                  <a:extLst>
+                    <a:ext uri="{9D8B030D-6E8A-4147-A177-3AD203B41FA5}">
+                      <a16:colId xmlns:a16="http://schemas.microsoft.com/office/drawing/2014/main" val="4134491901"/>
+                    </a:ext>
+                  </a:extLst>
+                </a:gridCol>
+                <a:gridCol w="8085944">
+                  <a:extLst>
+                    <a:ext uri="{9D8B030D-6E8A-4147-A177-3AD203B41FA5}">
+                      <a16:colId xmlns:a16="http://schemas.microsoft.com/office/drawing/2014/main" val="536315765"/>
+                    </a:ext>
+                  </a:extLst>
+                </a:gridCol>
+              </a:tblGrid>
+              <a:tr h="370840">
+                <a:tc>
+                  <a:txBody>
+                    <a:bodyPr/>
+                    <a:lstStyle/>
+                    <a:p>
+                      <a:r>
+                        <a:rPr lang="en-IN" dirty="0"/>
+                        <a:t>Industry</a:t>
+                      </a:r>
+                    </a:p>
+                  </a:txBody>
+                  <a:tcPr/>
+                </a:tc>
+                <a:tc>
+                  <a:txBody>
+                    <a:bodyPr/>
+                    <a:lstStyle/>
+                    <a:p>
+                      <a:r>
+                        <a:rPr lang="en-IN" dirty="0"/>
+                        <a:t>Key AI </a:t>
+                      </a:r>
+                      <a:r>
+                        <a:rPr lang="en-IN" dirty="0" err="1"/>
+                        <a:t>Appliations</a:t>
+                      </a:r>
+                      <a:endParaRPr lang="en-IN" dirty="0"/>
+                    </a:p>
+                  </a:txBody>
+                  <a:tcPr/>
+                </a:tc>
+                <a:extLst>
+                  <a:ext uri="{0D108BD9-81ED-4DB2-BD59-A6C34878D82A}">
+                    <a16:rowId xmlns:a16="http://schemas.microsoft.com/office/drawing/2014/main" val="569878423"/>
+                  </a:ext>
+                </a:extLst>
+              </a:tr>
+              <a:tr h="370840">
+                <a:tc>
+                  <a:txBody>
+                    <a:bodyPr/>
+                    <a:lstStyle/>
+                    <a:p>
+                      <a:r>
+                        <a:rPr lang="en-IN" dirty="0"/>
+                        <a:t>Healthcare</a:t>
+                      </a:r>
+                    </a:p>
+                  </a:txBody>
+                  <a:tcPr/>
+                </a:tc>
+                <a:tc>
+                  <a:txBody>
+                    <a:bodyPr/>
+                    <a:lstStyle/>
+                    <a:p>
+                      <a:r>
+                        <a:rPr lang="en-US" dirty="0"/>
+                        <a:t>Medical imaging diagnostics, predictive analytics, robotic surgery, virtual assistants</a:t>
+                      </a:r>
+                      <a:endParaRPr lang="en-IN" dirty="0"/>
+                    </a:p>
+                  </a:txBody>
+                  <a:tcPr/>
+                </a:tc>
+                <a:extLst>
+                  <a:ext uri="{0D108BD9-81ED-4DB2-BD59-A6C34878D82A}">
+                    <a16:rowId xmlns:a16="http://schemas.microsoft.com/office/drawing/2014/main" val="2016358306"/>
+                  </a:ext>
+                </a:extLst>
+              </a:tr>
+              <a:tr h="370840">
+                <a:tc>
+                  <a:txBody>
+                    <a:bodyPr/>
+                    <a:lstStyle/>
+                    <a:p>
+                      <a:r>
+                        <a:rPr lang="en-IN" dirty="0"/>
+                        <a:t>Finance</a:t>
+                      </a:r>
+                    </a:p>
+                  </a:txBody>
+                  <a:tcPr/>
+                </a:tc>
+                <a:tc>
+                  <a:txBody>
+                    <a:bodyPr/>
+                    <a:lstStyle/>
+                    <a:p>
+                      <a:r>
+                        <a:rPr lang="en-US" dirty="0"/>
+                        <a:t>Fraud detection, algorithmic trading, credit scoring, customer service chatbots</a:t>
+                      </a:r>
+                      <a:endParaRPr lang="en-IN" dirty="0"/>
+                    </a:p>
+                  </a:txBody>
+                  <a:tcPr/>
+                </a:tc>
+                <a:extLst>
+                  <a:ext uri="{0D108BD9-81ED-4DB2-BD59-A6C34878D82A}">
+                    <a16:rowId xmlns:a16="http://schemas.microsoft.com/office/drawing/2014/main" val="407011634"/>
+                  </a:ext>
+                </a:extLst>
+              </a:tr>
+              <a:tr h="370840">
+                <a:tc>
+                  <a:txBody>
+                    <a:bodyPr/>
+                    <a:lstStyle/>
+                    <a:p>
+                      <a:r>
+                        <a:rPr lang="en-IN" dirty="0"/>
+                        <a:t>Retail &amp; E-commerce</a:t>
+                      </a:r>
+                    </a:p>
+                  </a:txBody>
+                  <a:tcPr/>
+                </a:tc>
+                <a:tc>
+                  <a:txBody>
+                    <a:bodyPr/>
+                    <a:lstStyle/>
+                    <a:p>
+                      <a:r>
+                        <a:rPr lang="en-US" dirty="0"/>
+                        <a:t>Personalized recommendations, dynamic pricing, inventory optimization</a:t>
+                      </a:r>
+                      <a:endParaRPr lang="en-IN" dirty="0"/>
+                    </a:p>
+                  </a:txBody>
+                  <a:tcPr/>
+                </a:tc>
+                <a:extLst>
+                  <a:ext uri="{0D108BD9-81ED-4DB2-BD59-A6C34878D82A}">
+                    <a16:rowId xmlns:a16="http://schemas.microsoft.com/office/drawing/2014/main" val="1790489081"/>
+                  </a:ext>
+                </a:extLst>
+              </a:tr>
+              <a:tr h="370840">
+                <a:tc>
+                  <a:txBody>
+                    <a:bodyPr/>
+                    <a:lstStyle/>
+                    <a:p>
+                      <a:r>
+                        <a:rPr lang="en-IN" dirty="0"/>
+                        <a:t>Manufacturing</a:t>
+                      </a:r>
+                    </a:p>
+                  </a:txBody>
+                  <a:tcPr/>
+                </a:tc>
+                <a:tc>
+                  <a:txBody>
+                    <a:bodyPr/>
+                    <a:lstStyle/>
+                    <a:p>
+                      <a:r>
+                        <a:rPr lang="en-IN" dirty="0"/>
+                        <a:t>Predictive maintenance, quality control, autonomous robots</a:t>
+                      </a:r>
+                    </a:p>
+                  </a:txBody>
+                  <a:tcPr/>
+                </a:tc>
+                <a:extLst>
+                  <a:ext uri="{0D108BD9-81ED-4DB2-BD59-A6C34878D82A}">
+                    <a16:rowId xmlns:a16="http://schemas.microsoft.com/office/drawing/2014/main" val="670136042"/>
+                  </a:ext>
+                </a:extLst>
+              </a:tr>
+              <a:tr h="370840">
+                <a:tc>
+                  <a:txBody>
+                    <a:bodyPr/>
+                    <a:lstStyle/>
+                    <a:p>
+                      <a:r>
+                        <a:rPr lang="en-IN" dirty="0"/>
+                        <a:t>Transportation</a:t>
+                      </a:r>
+                    </a:p>
+                  </a:txBody>
+                  <a:tcPr/>
+                </a:tc>
+                <a:tc>
+                  <a:txBody>
+                    <a:bodyPr/>
+                    <a:lstStyle/>
+                    <a:p>
+                      <a:r>
+                        <a:rPr lang="en-IN" dirty="0"/>
+                        <a:t>Autonomous vehicles, route optimization, traffic prediction</a:t>
+                      </a:r>
+                    </a:p>
+                  </a:txBody>
+                  <a:tcPr/>
+                </a:tc>
+                <a:extLst>
+                  <a:ext uri="{0D108BD9-81ED-4DB2-BD59-A6C34878D82A}">
+                    <a16:rowId xmlns:a16="http://schemas.microsoft.com/office/drawing/2014/main" val="3519914003"/>
+                  </a:ext>
+                </a:extLst>
+              </a:tr>
+              <a:tr h="370840">
+                <a:tc>
+                  <a:txBody>
+                    <a:bodyPr/>
+                    <a:lstStyle/>
+                    <a:p>
+                      <a:r>
+                        <a:rPr lang="en-IN" dirty="0"/>
+                        <a:t>Education</a:t>
+                      </a:r>
+                    </a:p>
+                  </a:txBody>
+                  <a:tcPr/>
+                </a:tc>
+                <a:tc>
+                  <a:txBody>
+                    <a:bodyPr/>
+                    <a:lstStyle/>
+                    <a:p>
+                      <a:r>
+                        <a:rPr lang="en-US" dirty="0"/>
+                        <a:t>Adaptive learning platforms, automated grading, career prediction</a:t>
+                      </a:r>
+                      <a:endParaRPr lang="en-IN" dirty="0"/>
+                    </a:p>
+                  </a:txBody>
+                  <a:tcPr/>
+                </a:tc>
+                <a:extLst>
+                  <a:ext uri="{0D108BD9-81ED-4DB2-BD59-A6C34878D82A}">
+                    <a16:rowId xmlns:a16="http://schemas.microsoft.com/office/drawing/2014/main" val="2355839523"/>
+                  </a:ext>
+                </a:extLst>
+              </a:tr>
+              <a:tr h="370840">
+                <a:tc>
+                  <a:txBody>
+                    <a:bodyPr/>
+                    <a:lstStyle/>
+                    <a:p>
+                      <a:r>
+                        <a:rPr lang="en-IN" dirty="0"/>
+                        <a:t>Entertainment</a:t>
+                      </a:r>
+                    </a:p>
+                  </a:txBody>
+                  <a:tcPr/>
+                </a:tc>
+                <a:tc>
+                  <a:txBody>
+                    <a:bodyPr/>
+                    <a:lstStyle/>
+                    <a:p>
+                      <a:r>
+                        <a:rPr lang="fr-FR" dirty="0"/>
+                        <a:t>Content </a:t>
+                      </a:r>
+                      <a:r>
+                        <a:rPr lang="fr-FR" dirty="0" err="1"/>
+                        <a:t>recommendation</a:t>
+                      </a:r>
+                      <a:r>
+                        <a:rPr lang="fr-FR" dirty="0"/>
+                        <a:t>, </a:t>
+                      </a:r>
+                      <a:r>
+                        <a:rPr lang="fr-FR" dirty="0" err="1"/>
+                        <a:t>deepfake</a:t>
+                      </a:r>
+                      <a:r>
+                        <a:rPr lang="fr-FR" dirty="0"/>
+                        <a:t> </a:t>
+                      </a:r>
+                      <a:r>
+                        <a:rPr lang="fr-FR" dirty="0" err="1"/>
+                        <a:t>generation</a:t>
+                      </a:r>
+                      <a:r>
+                        <a:rPr lang="fr-FR" dirty="0"/>
+                        <a:t>, audience sentiment </a:t>
+                      </a:r>
+                      <a:r>
+                        <a:rPr lang="fr-FR" dirty="0" err="1"/>
+                        <a:t>analysis</a:t>
+                      </a:r>
+                      <a:endParaRPr lang="en-IN" dirty="0"/>
+                    </a:p>
+                  </a:txBody>
+                  <a:tcPr/>
+                </a:tc>
+                <a:extLst>
+                  <a:ext uri="{0D108BD9-81ED-4DB2-BD59-A6C34878D82A}">
+                    <a16:rowId xmlns:a16="http://schemas.microsoft.com/office/drawing/2014/main" val="1582386728"/>
+                  </a:ext>
+                </a:extLst>
+              </a:tr>
+              <a:tr h="370840">
+                <a:tc>
+                  <a:txBody>
+                    <a:bodyPr/>
+                    <a:lstStyle/>
+                    <a:p>
+                      <a:r>
+                        <a:rPr lang="en-IN" dirty="0"/>
+                        <a:t>Legal &amp; Compliance</a:t>
+                      </a:r>
+                    </a:p>
+                  </a:txBody>
+                  <a:tcPr/>
+                </a:tc>
+                <a:tc>
+                  <a:txBody>
+                    <a:bodyPr/>
+                    <a:lstStyle/>
+                    <a:p>
+                      <a:r>
+                        <a:rPr lang="en-US" dirty="0"/>
+                        <a:t>Contract analysis, legal research automation, risk assessment</a:t>
+                      </a:r>
+                      <a:endParaRPr lang="en-IN" dirty="0"/>
+                    </a:p>
+                  </a:txBody>
+                  <a:tcPr/>
+                </a:tc>
+                <a:extLst>
+                  <a:ext uri="{0D108BD9-81ED-4DB2-BD59-A6C34878D82A}">
+                    <a16:rowId xmlns:a16="http://schemas.microsoft.com/office/drawing/2014/main" val="471755294"/>
+                  </a:ext>
+                </a:extLst>
+              </a:tr>
+              <a:tr h="370840">
+                <a:tc>
+                  <a:txBody>
+                    <a:bodyPr/>
+                    <a:lstStyle/>
+                    <a:p>
+                      <a:r>
+                        <a:rPr lang="en-IN" dirty="0"/>
+                        <a:t>Agriculture</a:t>
+                      </a:r>
+                    </a:p>
+                  </a:txBody>
+                  <a:tcPr/>
+                </a:tc>
+                <a:tc>
+                  <a:txBody>
+                    <a:bodyPr/>
+                    <a:lstStyle/>
+                    <a:p>
+                      <a:r>
+                        <a:rPr lang="en-US" dirty="0"/>
+                        <a:t>Crop monitoring via drones, yield prediction, pest detection</a:t>
+                      </a:r>
+                      <a:endParaRPr lang="en-IN" dirty="0"/>
+                    </a:p>
+                  </a:txBody>
+                  <a:tcPr/>
+                </a:tc>
+                <a:extLst>
+                  <a:ext uri="{0D108BD9-81ED-4DB2-BD59-A6C34878D82A}">
+                    <a16:rowId xmlns:a16="http://schemas.microsoft.com/office/drawing/2014/main" val="787396274"/>
+                  </a:ext>
+                </a:extLst>
+              </a:tr>
+              <a:tr h="370840">
+                <a:tc>
+                  <a:txBody>
+                    <a:bodyPr/>
+                    <a:lstStyle/>
+                    <a:p>
+                      <a:r>
+                        <a:rPr lang="en-IN" dirty="0"/>
+                        <a:t>Energy</a:t>
+                      </a:r>
+                    </a:p>
+                  </a:txBody>
+                  <a:tcPr/>
+                </a:tc>
+                <a:tc>
+                  <a:txBody>
+                    <a:bodyPr/>
+                    <a:lstStyle/>
+                    <a:p>
+                      <a:r>
+                        <a:rPr lang="en-US" dirty="0"/>
+                        <a:t>Smart grid management, consumption forecasting, fault detection</a:t>
+                      </a:r>
+                      <a:endParaRPr lang="en-IN" dirty="0"/>
+                    </a:p>
+                  </a:txBody>
+                  <a:tcPr/>
+                </a:tc>
+                <a:extLst>
+                  <a:ext uri="{0D108BD9-81ED-4DB2-BD59-A6C34878D82A}">
+                    <a16:rowId xmlns:a16="http://schemas.microsoft.com/office/drawing/2014/main" val="601079046"/>
+                  </a:ext>
+                </a:extLst>
+              </a:tr>
+            </a:tbl>
+          </a:graphicData>
+        </a:graphic>
+      </p:graphicFrame>
     </p:spTree>
     <p:extLst>
       <p:ext uri="{BB962C8B-B14F-4D97-AF65-F5344CB8AC3E}">
@@ -4664,7 +5266,80 @@
           <a:bodyPr/>
           <a:lstStyle/>
           <a:p>
-            <a:endParaRPr lang="en-IN" dirty="0"/>
+            <a:r>
+              <a:rPr lang="en-IN" b="1" dirty="0">
+                <a:solidFill>
+                  <a:srgbClr val="FF0000"/>
+                </a:solidFill>
+              </a:rPr>
+              <a:t>Healthcare</a:t>
+            </a:r>
+          </a:p>
+          <a:p>
+            <a:pPr lvl="1"/>
+            <a:r>
+              <a:rPr lang="en-US" b="1" dirty="0">
+                <a:solidFill>
+                  <a:srgbClr val="00B050"/>
+                </a:solidFill>
+              </a:rPr>
+              <a:t>Challenge</a:t>
+            </a:r>
+            <a:r>
+              <a:rPr lang="en-US" dirty="0"/>
+              <a:t>: </a:t>
+            </a:r>
+            <a:r>
+              <a:rPr lang="en-US" b="1" dirty="0">
+                <a:solidFill>
+                  <a:srgbClr val="002060"/>
+                </a:solidFill>
+              </a:rPr>
+              <a:t>Diagnostic errors, treatment delays, and resource shortages.</a:t>
+            </a:r>
+          </a:p>
+          <a:p>
+            <a:pPr lvl="1"/>
+            <a:r>
+              <a:rPr lang="en-US" b="1" dirty="0">
+                <a:solidFill>
+                  <a:srgbClr val="00B050"/>
+                </a:solidFill>
+              </a:rPr>
+              <a:t>AI Solution: </a:t>
+            </a:r>
+            <a:r>
+              <a:rPr lang="en-US" b="1" dirty="0">
+                <a:solidFill>
+                  <a:srgbClr val="002060"/>
+                </a:solidFill>
+              </a:rPr>
+              <a:t>AI-powered imaging tools detect diseases like cancer earlier than human radiologists. Predictive models forecast patient deterioration, enabling proactive care.</a:t>
+            </a:r>
+          </a:p>
+          <a:p>
+            <a:pPr lvl="1"/>
+            <a:r>
+              <a:rPr lang="en-US" b="1" dirty="0">
+                <a:solidFill>
+                  <a:srgbClr val="00B050"/>
+                </a:solidFill>
+              </a:rPr>
+              <a:t>Innovation: </a:t>
+            </a:r>
+            <a:r>
+              <a:rPr lang="en-US" b="1" dirty="0">
+                <a:solidFill>
+                  <a:srgbClr val="002060"/>
+                </a:solidFill>
+              </a:rPr>
+              <a:t>Personalized medicine—AI tailors treatment plans based on genetic and lifestyle data.</a:t>
+            </a:r>
+            <a:endParaRPr lang="en-IN" b="1" dirty="0">
+              <a:solidFill>
+                <a:srgbClr val="002060"/>
+              </a:solidFill>
+            </a:endParaRPr>
           </a:p>
         </p:txBody>
       </p:sp>
@@ -4682,6 +5357,869 @@
 </file>
 
 <file path=ppt/slides/slide6.xml><?xml version="1.0" encoding="utf-8"?>
+<p:sld xmlns:a="http://schemas.openxmlformats.org/drawingml/2006/main" xmlns:r="http://schemas.openxmlformats.org/officeDocument/2006/relationships" xmlns:p="http://schemas.openxmlformats.org/presentationml/2006/main">
+  <p:cSld>
+    <p:spTree>
+      <p:nvGrpSpPr>
+        <p:cNvPr id="1" name="">
+          <a:extLst>
+            <a:ext uri="{FF2B5EF4-FFF2-40B4-BE49-F238E27FC236}">
+              <a16:creationId xmlns:a16="http://schemas.microsoft.com/office/drawing/2014/main" id="{43A17974-AE56-2DF0-B76C-5AA56C7BCD47}"/>
+            </a:ext>
+          </a:extLst>
+        </p:cNvPr>
+        <p:cNvGrpSpPr/>
+        <p:nvPr/>
+      </p:nvGrpSpPr>
+      <p:grpSpPr>
+        <a:xfrm>
+          <a:off x="0" y="0"/>
+          <a:ext cx="0" cy="0"/>
+          <a:chOff x="0" y="0"/>
+          <a:chExt cx="0" cy="0"/>
+        </a:xfrm>
+      </p:grpSpPr>
+      <p:pic>
+        <p:nvPicPr>
+          <p:cNvPr id="9" name="Picture 8">
+            <a:extLst>
+              <a:ext uri="{FF2B5EF4-FFF2-40B4-BE49-F238E27FC236}">
+                <a16:creationId xmlns:a16="http://schemas.microsoft.com/office/drawing/2014/main" id="{BF55A546-66DF-A5D2-D971-29F35166FE05}"/>
+              </a:ext>
+            </a:extLst>
+          </p:cNvPr>
+          <p:cNvPicPr>
+            <a:picLocks noChangeAspect="1"/>
+          </p:cNvPicPr>
+          <p:nvPr/>
+        </p:nvPicPr>
+        <p:blipFill>
+          <a:blip r:embed="rId2">
+            <a:extLst>
+              <a:ext uri="{28A0092B-C50C-407E-A947-70E740481C1C}">
+                <a14:useLocalDpi xmlns:a14="http://schemas.microsoft.com/office/drawing/2010/main" val="0"/>
+              </a:ext>
+            </a:extLst>
+          </a:blip>
+          <a:stretch>
+            <a:fillRect/>
+          </a:stretch>
+        </p:blipFill>
+        <p:spPr>
+          <a:xfrm>
+            <a:off x="0" y="4707"/>
+            <a:ext cx="12192000" cy="6853293"/>
+          </a:xfrm>
+          <a:prstGeom prst="rect">
+            <a:avLst/>
+          </a:prstGeom>
+        </p:spPr>
+      </p:pic>
+      <p:sp>
+        <p:nvSpPr>
+          <p:cNvPr id="12" name="Title 11">
+            <a:extLst>
+              <a:ext uri="{FF2B5EF4-FFF2-40B4-BE49-F238E27FC236}">
+                <a16:creationId xmlns:a16="http://schemas.microsoft.com/office/drawing/2014/main" id="{669944C5-938A-0F90-FEEC-77322F7A6C17}"/>
+              </a:ext>
+            </a:extLst>
+          </p:cNvPr>
+          <p:cNvSpPr>
+            <a:spLocks noGrp="1"/>
+          </p:cNvSpPr>
+          <p:nvPr>
+            <p:ph type="title"/>
+          </p:nvPr>
+        </p:nvSpPr>
+        <p:spPr>
+          <a:xfrm>
+            <a:off x="838200" y="1058779"/>
+            <a:ext cx="10515600" cy="1828800"/>
+          </a:xfrm>
+        </p:spPr>
+        <p:txBody>
+          <a:bodyPr>
+            <a:normAutofit fontScale="90000"/>
+          </a:bodyPr>
+          <a:lstStyle/>
+          <a:p>
+            <a:br>
+              <a:rPr lang="en-US" b="1" dirty="0">
+                <a:solidFill>
+                  <a:srgbClr val="002060"/>
+                </a:solidFill>
+              </a:rPr>
+            </a:br>
+            <a:br>
+              <a:rPr lang="en-US" b="1" dirty="0">
+                <a:solidFill>
+                  <a:srgbClr val="002060"/>
+                </a:solidFill>
+              </a:rPr>
+            </a:br>
+            <a:br>
+              <a:rPr lang="en-US" b="1" dirty="0">
+                <a:solidFill>
+                  <a:srgbClr val="002060"/>
+                </a:solidFill>
+              </a:rPr>
+            </a:br>
+            <a:br>
+              <a:rPr lang="en-US" b="1" dirty="0">
+                <a:solidFill>
+                  <a:srgbClr val="002060"/>
+                </a:solidFill>
+              </a:rPr>
+            </a:br>
+            <a:r>
+              <a:rPr lang="en-US" b="1" dirty="0">
+                <a:solidFill>
+                  <a:srgbClr val="C00000"/>
+                </a:solidFill>
+              </a:rPr>
+              <a:t>Providing insights into how these technologies address industry specific challenges and drive innovation</a:t>
+            </a:r>
+            <a:br>
+              <a:rPr lang="en-IN" b="1" dirty="0">
+                <a:solidFill>
+                  <a:srgbClr val="002060"/>
+                </a:solidFill>
+              </a:rPr>
+            </a:br>
+            <a:br>
+              <a:rPr lang="en-IN" b="1" dirty="0">
+                <a:solidFill>
+                  <a:srgbClr val="002060"/>
+                </a:solidFill>
+              </a:rPr>
+            </a:br>
+            <a:br>
+              <a:rPr lang="en-US" dirty="0">
+                <a:solidFill>
+                  <a:srgbClr val="002060"/>
+                </a:solidFill>
+              </a:rPr>
+            </a:br>
+            <a:br>
+              <a:rPr lang="en-US" dirty="0">
+                <a:solidFill>
+                  <a:srgbClr val="002060"/>
+                </a:solidFill>
+              </a:rPr>
+            </a:br>
+            <a:endParaRPr lang="en-IN" b="1" dirty="0">
+              <a:solidFill>
+                <a:srgbClr val="FF0000"/>
+              </a:solidFill>
+            </a:endParaRPr>
+          </a:p>
+        </p:txBody>
+      </p:sp>
+      <p:sp>
+        <p:nvSpPr>
+          <p:cNvPr id="4" name="Content Placeholder 3">
+            <a:extLst>
+              <a:ext uri="{FF2B5EF4-FFF2-40B4-BE49-F238E27FC236}">
+                <a16:creationId xmlns:a16="http://schemas.microsoft.com/office/drawing/2014/main" id="{287ED5F5-9264-14B8-07C6-4B000FE6EAB9}"/>
+              </a:ext>
+            </a:extLst>
+          </p:cNvPr>
+          <p:cNvSpPr>
+            <a:spLocks noGrp="1"/>
+          </p:cNvSpPr>
+          <p:nvPr>
+            <p:ph idx="1"/>
+          </p:nvPr>
+        </p:nvSpPr>
+        <p:spPr>
+          <a:xfrm>
+            <a:off x="838200" y="3028013"/>
+            <a:ext cx="10515600" cy="3148950"/>
+          </a:xfrm>
+        </p:spPr>
+        <p:txBody>
+          <a:bodyPr>
+            <a:normAutofit/>
+          </a:bodyPr>
+          <a:lstStyle/>
+          <a:p>
+            <a:r>
+              <a:rPr lang="en-IN" b="1" dirty="0">
+                <a:solidFill>
+                  <a:srgbClr val="FF0000"/>
+                </a:solidFill>
+              </a:rPr>
+              <a:t>Finance</a:t>
+            </a:r>
+          </a:p>
+          <a:p>
+            <a:pPr lvl="1"/>
+            <a:r>
+              <a:rPr lang="en-US" b="1" dirty="0">
+                <a:solidFill>
+                  <a:srgbClr val="00B050"/>
+                </a:solidFill>
+              </a:rPr>
+              <a:t>Challenge</a:t>
+            </a:r>
+            <a:r>
+              <a:rPr lang="en-US" dirty="0"/>
+              <a:t>: </a:t>
+            </a:r>
+            <a:r>
+              <a:rPr lang="en-US" b="1" dirty="0">
+                <a:solidFill>
+                  <a:srgbClr val="002060"/>
+                </a:solidFill>
+              </a:rPr>
+              <a:t>Fraud, risk management, and customer churn</a:t>
+            </a:r>
+            <a:r>
+              <a:rPr lang="en-US" dirty="0"/>
+              <a:t>.</a:t>
+            </a:r>
+          </a:p>
+          <a:p>
+            <a:pPr lvl="1"/>
+            <a:r>
+              <a:rPr lang="en-US" b="1" dirty="0">
+                <a:solidFill>
+                  <a:srgbClr val="00B050"/>
+                </a:solidFill>
+              </a:rPr>
+              <a:t>AI Solution: </a:t>
+            </a:r>
+            <a:r>
+              <a:rPr lang="en-US" b="1" dirty="0">
+                <a:solidFill>
+                  <a:srgbClr val="002060"/>
+                </a:solidFill>
+              </a:rPr>
+              <a:t>Real-time fraud detection using behavioral analytics; </a:t>
+            </a:r>
+            <a:r>
+              <a:rPr lang="en-US" b="1" dirty="0" err="1">
+                <a:solidFill>
+                  <a:srgbClr val="002060"/>
+                </a:solidFill>
+              </a:rPr>
+              <a:t>robo</a:t>
+            </a:r>
+            <a:r>
+              <a:rPr lang="en-US" b="1" dirty="0">
+                <a:solidFill>
+                  <a:srgbClr val="002060"/>
+                </a:solidFill>
+              </a:rPr>
+              <a:t>-advisors for personalized investment strategies</a:t>
+            </a:r>
+            <a:r>
+              <a:rPr lang="en-US" dirty="0"/>
+              <a:t>.</a:t>
+            </a:r>
+          </a:p>
+          <a:p>
+            <a:pPr lvl="1"/>
+            <a:r>
+              <a:rPr lang="en-US" b="1" dirty="0">
+                <a:solidFill>
+                  <a:srgbClr val="00B050"/>
+                </a:solidFill>
+              </a:rPr>
+              <a:t>Innovation: </a:t>
+            </a:r>
+            <a:r>
+              <a:rPr lang="en-US" b="1" dirty="0">
+                <a:solidFill>
+                  <a:srgbClr val="002060"/>
+                </a:solidFill>
+              </a:rPr>
+              <a:t>AI-driven credit scoring models include alternative data like social behavior and transaction patterns.</a:t>
+            </a:r>
+            <a:endParaRPr lang="en-IN" b="1" dirty="0">
+              <a:solidFill>
+                <a:srgbClr val="002060"/>
+              </a:solidFill>
+            </a:endParaRPr>
+          </a:p>
+        </p:txBody>
+      </p:sp>
+    </p:spTree>
+    <p:extLst>
+      <p:ext uri="{BB962C8B-B14F-4D97-AF65-F5344CB8AC3E}">
+        <p14:creationId xmlns:p14="http://schemas.microsoft.com/office/powerpoint/2010/main" val="129791844"/>
+      </p:ext>
+    </p:extLst>
+  </p:cSld>
+  <p:clrMapOvr>
+    <a:masterClrMapping/>
+  </p:clrMapOvr>
+</p:sld>
+</file>
+
+<file path=ppt/slides/slide7.xml><?xml version="1.0" encoding="utf-8"?>
+<p:sld xmlns:a="http://schemas.openxmlformats.org/drawingml/2006/main" xmlns:r="http://schemas.openxmlformats.org/officeDocument/2006/relationships" xmlns:p="http://schemas.openxmlformats.org/presentationml/2006/main">
+  <p:cSld>
+    <p:spTree>
+      <p:nvGrpSpPr>
+        <p:cNvPr id="1" name="">
+          <a:extLst>
+            <a:ext uri="{FF2B5EF4-FFF2-40B4-BE49-F238E27FC236}">
+              <a16:creationId xmlns:a16="http://schemas.microsoft.com/office/drawing/2014/main" id="{E91FA87D-8C9F-2CD3-4E76-FA65DD66B2BD}"/>
+            </a:ext>
+          </a:extLst>
+        </p:cNvPr>
+        <p:cNvGrpSpPr/>
+        <p:nvPr/>
+      </p:nvGrpSpPr>
+      <p:grpSpPr>
+        <a:xfrm>
+          <a:off x="0" y="0"/>
+          <a:ext cx="0" cy="0"/>
+          <a:chOff x="0" y="0"/>
+          <a:chExt cx="0" cy="0"/>
+        </a:xfrm>
+      </p:grpSpPr>
+      <p:pic>
+        <p:nvPicPr>
+          <p:cNvPr id="9" name="Picture 8">
+            <a:extLst>
+              <a:ext uri="{FF2B5EF4-FFF2-40B4-BE49-F238E27FC236}">
+                <a16:creationId xmlns:a16="http://schemas.microsoft.com/office/drawing/2014/main" id="{F45D207E-EB52-FAFC-D7F7-2F6F0271CD09}"/>
+              </a:ext>
+            </a:extLst>
+          </p:cNvPr>
+          <p:cNvPicPr>
+            <a:picLocks noChangeAspect="1"/>
+          </p:cNvPicPr>
+          <p:nvPr/>
+        </p:nvPicPr>
+        <p:blipFill>
+          <a:blip r:embed="rId2">
+            <a:extLst>
+              <a:ext uri="{28A0092B-C50C-407E-A947-70E740481C1C}">
+                <a14:useLocalDpi xmlns:a14="http://schemas.microsoft.com/office/drawing/2010/main" val="0"/>
+              </a:ext>
+            </a:extLst>
+          </a:blip>
+          <a:stretch>
+            <a:fillRect/>
+          </a:stretch>
+        </p:blipFill>
+        <p:spPr>
+          <a:xfrm>
+            <a:off x="0" y="4707"/>
+            <a:ext cx="12192000" cy="6853293"/>
+          </a:xfrm>
+          <a:prstGeom prst="rect">
+            <a:avLst/>
+          </a:prstGeom>
+        </p:spPr>
+      </p:pic>
+      <p:sp>
+        <p:nvSpPr>
+          <p:cNvPr id="12" name="Title 11">
+            <a:extLst>
+              <a:ext uri="{FF2B5EF4-FFF2-40B4-BE49-F238E27FC236}">
+                <a16:creationId xmlns:a16="http://schemas.microsoft.com/office/drawing/2014/main" id="{678FD009-6B78-CA4A-20EE-5342231C3192}"/>
+              </a:ext>
+            </a:extLst>
+          </p:cNvPr>
+          <p:cNvSpPr>
+            <a:spLocks noGrp="1"/>
+          </p:cNvSpPr>
+          <p:nvPr>
+            <p:ph type="title"/>
+          </p:nvPr>
+        </p:nvSpPr>
+        <p:spPr>
+          <a:xfrm>
+            <a:off x="838200" y="1058779"/>
+            <a:ext cx="10515600" cy="1828800"/>
+          </a:xfrm>
+        </p:spPr>
+        <p:txBody>
+          <a:bodyPr>
+            <a:normAutofit fontScale="90000"/>
+          </a:bodyPr>
+          <a:lstStyle/>
+          <a:p>
+            <a:br>
+              <a:rPr lang="en-US" b="1" dirty="0">
+                <a:solidFill>
+                  <a:srgbClr val="002060"/>
+                </a:solidFill>
+              </a:rPr>
+            </a:br>
+            <a:br>
+              <a:rPr lang="en-US" b="1" dirty="0">
+                <a:solidFill>
+                  <a:srgbClr val="002060"/>
+                </a:solidFill>
+              </a:rPr>
+            </a:br>
+            <a:br>
+              <a:rPr lang="en-US" b="1" dirty="0">
+                <a:solidFill>
+                  <a:srgbClr val="002060"/>
+                </a:solidFill>
+              </a:rPr>
+            </a:br>
+            <a:br>
+              <a:rPr lang="en-US" b="1" dirty="0">
+                <a:solidFill>
+                  <a:srgbClr val="002060"/>
+                </a:solidFill>
+              </a:rPr>
+            </a:br>
+            <a:r>
+              <a:rPr lang="en-US" b="1" dirty="0">
+                <a:solidFill>
+                  <a:srgbClr val="C00000"/>
+                </a:solidFill>
+              </a:rPr>
+              <a:t>Providing insights into how these technologies address industry specific challenges and drive innovation</a:t>
+            </a:r>
+            <a:br>
+              <a:rPr lang="en-IN" b="1" dirty="0">
+                <a:solidFill>
+                  <a:srgbClr val="002060"/>
+                </a:solidFill>
+              </a:rPr>
+            </a:br>
+            <a:br>
+              <a:rPr lang="en-IN" b="1" dirty="0">
+                <a:solidFill>
+                  <a:srgbClr val="002060"/>
+                </a:solidFill>
+              </a:rPr>
+            </a:br>
+            <a:br>
+              <a:rPr lang="en-US" dirty="0">
+                <a:solidFill>
+                  <a:srgbClr val="002060"/>
+                </a:solidFill>
+              </a:rPr>
+            </a:br>
+            <a:br>
+              <a:rPr lang="en-US" dirty="0">
+                <a:solidFill>
+                  <a:srgbClr val="002060"/>
+                </a:solidFill>
+              </a:rPr>
+            </a:br>
+            <a:endParaRPr lang="en-IN" b="1" dirty="0">
+              <a:solidFill>
+                <a:srgbClr val="FF0000"/>
+              </a:solidFill>
+            </a:endParaRPr>
+          </a:p>
+        </p:txBody>
+      </p:sp>
+      <p:sp>
+        <p:nvSpPr>
+          <p:cNvPr id="4" name="Content Placeholder 3">
+            <a:extLst>
+              <a:ext uri="{FF2B5EF4-FFF2-40B4-BE49-F238E27FC236}">
+                <a16:creationId xmlns:a16="http://schemas.microsoft.com/office/drawing/2014/main" id="{A32EC9CA-F37A-2BEB-0478-F9BA6AEC2B25}"/>
+              </a:ext>
+            </a:extLst>
+          </p:cNvPr>
+          <p:cNvSpPr>
+            <a:spLocks noGrp="1"/>
+          </p:cNvSpPr>
+          <p:nvPr>
+            <p:ph idx="1"/>
+          </p:nvPr>
+        </p:nvSpPr>
+        <p:spPr>
+          <a:xfrm>
+            <a:off x="838200" y="3028013"/>
+            <a:ext cx="10515600" cy="3148950"/>
+          </a:xfrm>
+        </p:spPr>
+        <p:txBody>
+          <a:bodyPr>
+            <a:normAutofit/>
+          </a:bodyPr>
+          <a:lstStyle/>
+          <a:p>
+            <a:r>
+              <a:rPr lang="en-IN" b="1" dirty="0">
+                <a:solidFill>
+                  <a:srgbClr val="FF0000"/>
+                </a:solidFill>
+              </a:rPr>
+              <a:t>Manufacturing</a:t>
+            </a:r>
+          </a:p>
+          <a:p>
+            <a:pPr lvl="1"/>
+            <a:r>
+              <a:rPr lang="en-US" b="1" dirty="0">
+                <a:solidFill>
+                  <a:srgbClr val="00B050"/>
+                </a:solidFill>
+              </a:rPr>
+              <a:t>Challenge</a:t>
+            </a:r>
+            <a:r>
+              <a:rPr lang="en-US" dirty="0"/>
+              <a:t>: </a:t>
+            </a:r>
+            <a:r>
+              <a:rPr lang="en-US" b="1" dirty="0">
+                <a:solidFill>
+                  <a:srgbClr val="002060"/>
+                </a:solidFill>
+              </a:rPr>
+              <a:t>Equipment failure and inefficient production lines</a:t>
+            </a:r>
+            <a:r>
+              <a:rPr lang="en-US" dirty="0"/>
+              <a:t>.</a:t>
+            </a:r>
+          </a:p>
+          <a:p>
+            <a:pPr lvl="1"/>
+            <a:r>
+              <a:rPr lang="en-US" b="1" dirty="0">
+                <a:solidFill>
+                  <a:srgbClr val="00B050"/>
+                </a:solidFill>
+              </a:rPr>
+              <a:t>AI Solution: </a:t>
+            </a:r>
+            <a:r>
+              <a:rPr lang="en-US" b="1" dirty="0">
+                <a:solidFill>
+                  <a:srgbClr val="002060"/>
+                </a:solidFill>
+              </a:rPr>
+              <a:t>Predictive maintenance using sensor data reduces downtime and repair costs.</a:t>
+            </a:r>
+            <a:r>
+              <a:rPr lang="en-US" dirty="0"/>
+              <a:t>.</a:t>
+            </a:r>
+          </a:p>
+          <a:p>
+            <a:pPr lvl="1"/>
+            <a:r>
+              <a:rPr lang="en-US" b="1" dirty="0">
+                <a:solidFill>
+                  <a:srgbClr val="00B050"/>
+                </a:solidFill>
+              </a:rPr>
+              <a:t>Innovation: </a:t>
+            </a:r>
+            <a:r>
+              <a:rPr lang="en-US" b="1" dirty="0">
+                <a:solidFill>
+                  <a:srgbClr val="002060"/>
+                </a:solidFill>
+              </a:rPr>
+              <a:t>Smart factories with autonomous robots and AI-driven quality control systems.</a:t>
+            </a:r>
+            <a:endParaRPr lang="en-IN" b="1" dirty="0">
+              <a:solidFill>
+                <a:srgbClr val="002060"/>
+              </a:solidFill>
+            </a:endParaRPr>
+          </a:p>
+        </p:txBody>
+      </p:sp>
+    </p:spTree>
+    <p:extLst>
+      <p:ext uri="{BB962C8B-B14F-4D97-AF65-F5344CB8AC3E}">
+        <p14:creationId xmlns:p14="http://schemas.microsoft.com/office/powerpoint/2010/main" val="951953772"/>
+      </p:ext>
+    </p:extLst>
+  </p:cSld>
+  <p:clrMapOvr>
+    <a:masterClrMapping/>
+  </p:clrMapOvr>
+</p:sld>
+</file>
+
+<file path=ppt/slides/slide8.xml><?xml version="1.0" encoding="utf-8"?>
+<p:sld xmlns:a="http://schemas.openxmlformats.org/drawingml/2006/main" xmlns:r="http://schemas.openxmlformats.org/officeDocument/2006/relationships" xmlns:p="http://schemas.openxmlformats.org/presentationml/2006/main">
+  <p:cSld>
+    <p:spTree>
+      <p:nvGrpSpPr>
+        <p:cNvPr id="1" name="">
+          <a:extLst>
+            <a:ext uri="{FF2B5EF4-FFF2-40B4-BE49-F238E27FC236}">
+              <a16:creationId xmlns:a16="http://schemas.microsoft.com/office/drawing/2014/main" id="{AC3D0E2F-C4F0-EE7C-C1B9-33ED7ED4588B}"/>
+            </a:ext>
+          </a:extLst>
+        </p:cNvPr>
+        <p:cNvGrpSpPr/>
+        <p:nvPr/>
+      </p:nvGrpSpPr>
+      <p:grpSpPr>
+        <a:xfrm>
+          <a:off x="0" y="0"/>
+          <a:ext cx="0" cy="0"/>
+          <a:chOff x="0" y="0"/>
+          <a:chExt cx="0" cy="0"/>
+        </a:xfrm>
+      </p:grpSpPr>
+      <p:pic>
+        <p:nvPicPr>
+          <p:cNvPr id="9" name="Picture 8">
+            <a:extLst>
+              <a:ext uri="{FF2B5EF4-FFF2-40B4-BE49-F238E27FC236}">
+                <a16:creationId xmlns:a16="http://schemas.microsoft.com/office/drawing/2014/main" id="{EA67B5AB-184F-9B27-10B0-46A6868BD9C6}"/>
+              </a:ext>
+            </a:extLst>
+          </p:cNvPr>
+          <p:cNvPicPr>
+            <a:picLocks noChangeAspect="1"/>
+          </p:cNvPicPr>
+          <p:nvPr/>
+        </p:nvPicPr>
+        <p:blipFill>
+          <a:blip r:embed="rId2">
+            <a:extLst>
+              <a:ext uri="{28A0092B-C50C-407E-A947-70E740481C1C}">
+                <a14:useLocalDpi xmlns:a14="http://schemas.microsoft.com/office/drawing/2010/main" val="0"/>
+              </a:ext>
+            </a:extLst>
+          </a:blip>
+          <a:stretch>
+            <a:fillRect/>
+          </a:stretch>
+        </p:blipFill>
+        <p:spPr>
+          <a:xfrm>
+            <a:off x="0" y="4707"/>
+            <a:ext cx="12192000" cy="6853293"/>
+          </a:xfrm>
+          <a:prstGeom prst="rect">
+            <a:avLst/>
+          </a:prstGeom>
+        </p:spPr>
+      </p:pic>
+      <p:sp>
+        <p:nvSpPr>
+          <p:cNvPr id="12" name="Title 11">
+            <a:extLst>
+              <a:ext uri="{FF2B5EF4-FFF2-40B4-BE49-F238E27FC236}">
+                <a16:creationId xmlns:a16="http://schemas.microsoft.com/office/drawing/2014/main" id="{FAEFA79C-2575-C2DB-FD0F-02C483714AC3}"/>
+              </a:ext>
+            </a:extLst>
+          </p:cNvPr>
+          <p:cNvSpPr>
+            <a:spLocks noGrp="1"/>
+          </p:cNvSpPr>
+          <p:nvPr>
+            <p:ph type="title"/>
+          </p:nvPr>
+        </p:nvSpPr>
+        <p:spPr>
+          <a:xfrm>
+            <a:off x="838200" y="1058779"/>
+            <a:ext cx="10515600" cy="1828800"/>
+          </a:xfrm>
+        </p:spPr>
+        <p:txBody>
+          <a:bodyPr>
+            <a:normAutofit fontScale="90000"/>
+          </a:bodyPr>
+          <a:lstStyle/>
+          <a:p>
+            <a:br>
+              <a:rPr lang="en-US" b="1" dirty="0">
+                <a:solidFill>
+                  <a:srgbClr val="002060"/>
+                </a:solidFill>
+              </a:rPr>
+            </a:br>
+            <a:br>
+              <a:rPr lang="en-US" b="1" dirty="0">
+                <a:solidFill>
+                  <a:srgbClr val="002060"/>
+                </a:solidFill>
+              </a:rPr>
+            </a:br>
+            <a:br>
+              <a:rPr lang="en-US" b="1" dirty="0">
+                <a:solidFill>
+                  <a:srgbClr val="002060"/>
+                </a:solidFill>
+              </a:rPr>
+            </a:br>
+            <a:br>
+              <a:rPr lang="en-US" b="1" dirty="0">
+                <a:solidFill>
+                  <a:srgbClr val="002060"/>
+                </a:solidFill>
+              </a:rPr>
+            </a:br>
+            <a:r>
+              <a:rPr lang="en-US" b="1" dirty="0">
+                <a:solidFill>
+                  <a:srgbClr val="C00000"/>
+                </a:solidFill>
+              </a:rPr>
+              <a:t>Providing insights into how these technologies address industry specific challenges and drive innovation</a:t>
+            </a:r>
+            <a:br>
+              <a:rPr lang="en-IN" b="1" dirty="0">
+                <a:solidFill>
+                  <a:srgbClr val="002060"/>
+                </a:solidFill>
+              </a:rPr>
+            </a:br>
+            <a:br>
+              <a:rPr lang="en-IN" b="1" dirty="0">
+                <a:solidFill>
+                  <a:srgbClr val="002060"/>
+                </a:solidFill>
+              </a:rPr>
+            </a:br>
+            <a:br>
+              <a:rPr lang="en-US" dirty="0">
+                <a:solidFill>
+                  <a:srgbClr val="002060"/>
+                </a:solidFill>
+              </a:rPr>
+            </a:br>
+            <a:br>
+              <a:rPr lang="en-US" dirty="0">
+                <a:solidFill>
+                  <a:srgbClr val="002060"/>
+                </a:solidFill>
+              </a:rPr>
+            </a:br>
+            <a:endParaRPr lang="en-IN" b="1" dirty="0">
+              <a:solidFill>
+                <a:srgbClr val="FF0000"/>
+              </a:solidFill>
+            </a:endParaRPr>
+          </a:p>
+        </p:txBody>
+      </p:sp>
+      <p:sp>
+        <p:nvSpPr>
+          <p:cNvPr id="4" name="Content Placeholder 3">
+            <a:extLst>
+              <a:ext uri="{FF2B5EF4-FFF2-40B4-BE49-F238E27FC236}">
+                <a16:creationId xmlns:a16="http://schemas.microsoft.com/office/drawing/2014/main" id="{7B0589C4-8A39-4EFE-168E-01BC2A902CFC}"/>
+              </a:ext>
+            </a:extLst>
+          </p:cNvPr>
+          <p:cNvSpPr>
+            <a:spLocks noGrp="1"/>
+          </p:cNvSpPr>
+          <p:nvPr>
+            <p:ph idx="1"/>
+          </p:nvPr>
+        </p:nvSpPr>
+        <p:spPr>
+          <a:xfrm>
+            <a:off x="838200" y="3028013"/>
+            <a:ext cx="10515600" cy="3148950"/>
+          </a:xfrm>
+        </p:spPr>
+        <p:txBody>
+          <a:bodyPr>
+            <a:normAutofit/>
+          </a:bodyPr>
+          <a:lstStyle/>
+          <a:p>
+            <a:r>
+              <a:rPr lang="en-IN" b="1" dirty="0">
+                <a:solidFill>
+                  <a:srgbClr val="FF0000"/>
+                </a:solidFill>
+              </a:rPr>
+              <a:t>Retail</a:t>
+            </a:r>
+          </a:p>
+          <a:p>
+            <a:pPr lvl="1"/>
+            <a:r>
+              <a:rPr lang="en-US" b="1" dirty="0">
+                <a:solidFill>
+                  <a:srgbClr val="00B050"/>
+                </a:solidFill>
+              </a:rPr>
+              <a:t>Challenge</a:t>
+            </a:r>
+            <a:r>
+              <a:rPr lang="en-US" dirty="0"/>
+              <a:t>: </a:t>
+            </a:r>
+            <a:r>
+              <a:rPr lang="en-US" b="1" dirty="0">
+                <a:solidFill>
+                  <a:srgbClr val="002060"/>
+                </a:solidFill>
+              </a:rPr>
+              <a:t>Inventory mismanagement and poor customer targeting.</a:t>
+            </a:r>
+          </a:p>
+          <a:p>
+            <a:pPr lvl="1"/>
+            <a:r>
+              <a:rPr lang="en-US" b="1" dirty="0">
+                <a:solidFill>
+                  <a:srgbClr val="00B050"/>
+                </a:solidFill>
+              </a:rPr>
+              <a:t>AI Solution: </a:t>
+            </a:r>
+            <a:r>
+              <a:rPr lang="en-US" b="1" dirty="0">
+                <a:solidFill>
+                  <a:srgbClr val="002060"/>
+                </a:solidFill>
+              </a:rPr>
+              <a:t>Demand forecasting and dynamic pricing algorithms.</a:t>
+            </a:r>
+          </a:p>
+          <a:p>
+            <a:pPr lvl="1"/>
+            <a:r>
+              <a:rPr lang="en-US" b="1" dirty="0">
+                <a:solidFill>
+                  <a:srgbClr val="00B050"/>
+                </a:solidFill>
+              </a:rPr>
+              <a:t>Innovation: </a:t>
+            </a:r>
+            <a:r>
+              <a:rPr lang="en-US" b="1" dirty="0">
+                <a:solidFill>
+                  <a:srgbClr val="002060"/>
+                </a:solidFill>
+              </a:rPr>
+              <a:t>Hyper-personalized shopping experiences using AI-powered recommendation engines</a:t>
+            </a:r>
+            <a:endParaRPr lang="en-IN" b="1" dirty="0">
+              <a:solidFill>
+                <a:srgbClr val="002060"/>
+              </a:solidFill>
+            </a:endParaRPr>
+          </a:p>
+        </p:txBody>
+      </p:sp>
+    </p:spTree>
+    <p:extLst>
+      <p:ext uri="{BB962C8B-B14F-4D97-AF65-F5344CB8AC3E}">
+        <p14:creationId xmlns:p14="http://schemas.microsoft.com/office/powerpoint/2010/main" val="1822170196"/>
+      </p:ext>
+    </p:extLst>
+  </p:cSld>
+  <p:clrMapOvr>
+    <a:masterClrMapping/>
+  </p:clrMapOvr>
+</p:sld>
+</file>
+
+<file path=ppt/slides/slide9.xml><?xml version="1.0" encoding="utf-8"?>
 <p:sld xmlns:a="http://schemas.openxmlformats.org/drawingml/2006/main" xmlns:r="http://schemas.openxmlformats.org/officeDocument/2006/relationships" xmlns:p="http://schemas.openxmlformats.org/presentationml/2006/main">
   <p:cSld>
     <p:spTree>
